--- a/expected_test_results/master_template/speed_change/speed_change_temp.pptx
+++ b/expected_test_results/master_template/speed_change/speed_change_temp.pptx
@@ -17771,7 +17771,7 @@
                 <a:latin typeface="Open Sans" panose="020B0606030504020204" pitchFamily="34" charset="0"/>
                 <a:ea typeface="Open Sans" panose="020B0606030504020204" pitchFamily="34" charset="0"/>
               </a:rPr>
-              <a:t>???</a:t>
+              <a:t/>
             </a:r>
             <a:endParaRPr lang="en-US" sz="2000" dirty="0">
               <a:solidFill>
